--- a/Project/Algo/Advance algo project proposal.pptx
+++ b/Project/Algo/Advance algo project proposal.pptx
@@ -6,12 +6,12 @@
   </p:sldMasterIdLst>
   <p:sldIdLst>
     <p:sldId id="256" r:id="rId2"/>
-    <p:sldId id="257" r:id="rId3"/>
-    <p:sldId id="258" r:id="rId4"/>
-    <p:sldId id="261" r:id="rId5"/>
-    <p:sldId id="260" r:id="rId6"/>
-    <p:sldId id="263" r:id="rId7"/>
-    <p:sldId id="262" r:id="rId8"/>
+    <p:sldId id="258" r:id="rId3"/>
+    <p:sldId id="261" r:id="rId4"/>
+    <p:sldId id="260" r:id="rId5"/>
+    <p:sldId id="264" r:id="rId6"/>
+    <p:sldId id="265" r:id="rId7"/>
+    <p:sldId id="266" r:id="rId8"/>
   </p:sldIdLst>
   <p:sldSz cx="12192000" cy="6858000"/>
   <p:notesSz cx="6858000" cy="9144000"/>
@@ -110,6 +110,11 @@
       </a:defRPr>
     </a:lvl9pPr>
   </p:defaultTextStyle>
+  <p:extLst>
+    <p:ext uri="{EFAFB233-063F-42B5-8137-9DF3F51BA10A}">
+      <p15:sldGuideLst xmlns:p15="http://schemas.microsoft.com/office/powerpoint/2012/main"/>
+    </p:ext>
+  </p:extLst>
 </p:presentation>
 </file>
 
@@ -298,7 +303,7 @@
           <a:p>
             <a:fld id="{3B68FE8D-E513-4283-9414-980506019D93}" type="datetimeFigureOut">
               <a:rPr lang="en-US" smtClean="0"/>
-              <a:t>9/18/2024</a:t>
+              <a:t>11/14/2024</a:t>
             </a:fld>
             <a:endParaRPr lang="en-US"/>
           </a:p>
@@ -596,7 +601,7 @@
           <a:p>
             <a:fld id="{3B68FE8D-E513-4283-9414-980506019D93}" type="datetimeFigureOut">
               <a:rPr lang="en-US" smtClean="0"/>
-              <a:t>9/18/2024</a:t>
+              <a:t>11/14/2024</a:t>
             </a:fld>
             <a:endParaRPr lang="en-US"/>
           </a:p>
@@ -788,7 +793,7 @@
           <a:p>
             <a:fld id="{3B68FE8D-E513-4283-9414-980506019D93}" type="datetimeFigureOut">
               <a:rPr lang="en-US" smtClean="0"/>
-              <a:t>9/18/2024</a:t>
+              <a:t>11/14/2024</a:t>
             </a:fld>
             <a:endParaRPr lang="en-US"/>
           </a:p>
@@ -1049,7 +1054,7 @@
           <a:p>
             <a:fld id="{3B68FE8D-E513-4283-9414-980506019D93}" type="datetimeFigureOut">
               <a:rPr lang="en-US" smtClean="0"/>
-              <a:t>9/18/2024</a:t>
+              <a:t>11/14/2024</a:t>
             </a:fld>
             <a:endParaRPr lang="en-US"/>
           </a:p>
@@ -1473,7 +1478,7 @@
           <a:p>
             <a:fld id="{3B68FE8D-E513-4283-9414-980506019D93}" type="datetimeFigureOut">
               <a:rPr lang="en-US" smtClean="0"/>
-              <a:t>9/18/2024</a:t>
+              <a:t>11/14/2024</a:t>
             </a:fld>
             <a:endParaRPr lang="en-US"/>
           </a:p>
@@ -2010,7 +2015,7 @@
           <a:p>
             <a:fld id="{3B68FE8D-E513-4283-9414-980506019D93}" type="datetimeFigureOut">
               <a:rPr lang="en-US" smtClean="0"/>
-              <a:t>9/18/2024</a:t>
+              <a:t>11/14/2024</a:t>
             </a:fld>
             <a:endParaRPr lang="en-US"/>
           </a:p>
@@ -2874,7 +2879,7 @@
           <a:p>
             <a:fld id="{3B68FE8D-E513-4283-9414-980506019D93}" type="datetimeFigureOut">
               <a:rPr lang="en-US" smtClean="0"/>
-              <a:t>9/18/2024</a:t>
+              <a:t>11/14/2024</a:t>
             </a:fld>
             <a:endParaRPr lang="en-US"/>
           </a:p>
@@ -3044,7 +3049,7 @@
           <a:p>
             <a:fld id="{3B68FE8D-E513-4283-9414-980506019D93}" type="datetimeFigureOut">
               <a:rPr lang="en-US" smtClean="0"/>
-              <a:t>9/18/2024</a:t>
+              <a:t>11/14/2024</a:t>
             </a:fld>
             <a:endParaRPr lang="en-US"/>
           </a:p>
@@ -3228,7 +3233,7 @@
           <a:p>
             <a:fld id="{3B68FE8D-E513-4283-9414-980506019D93}" type="datetimeFigureOut">
               <a:rPr lang="en-US" smtClean="0"/>
-              <a:t>9/18/2024</a:t>
+              <a:t>11/14/2024</a:t>
             </a:fld>
             <a:endParaRPr lang="en-US"/>
           </a:p>
@@ -3398,7 +3403,7 @@
           <a:p>
             <a:fld id="{3B68FE8D-E513-4283-9414-980506019D93}" type="datetimeFigureOut">
               <a:rPr lang="en-US" smtClean="0"/>
-              <a:t>9/18/2024</a:t>
+              <a:t>11/14/2024</a:t>
             </a:fld>
             <a:endParaRPr lang="en-US"/>
           </a:p>
@@ -3642,7 +3647,7 @@
           <a:p>
             <a:fld id="{3B68FE8D-E513-4283-9414-980506019D93}" type="datetimeFigureOut">
               <a:rPr lang="en-US" smtClean="0"/>
-              <a:t>9/18/2024</a:t>
+              <a:t>11/14/2024</a:t>
             </a:fld>
             <a:endParaRPr lang="en-US"/>
           </a:p>
@@ -3878,7 +3883,7 @@
           <a:p>
             <a:fld id="{3B68FE8D-E513-4283-9414-980506019D93}" type="datetimeFigureOut">
               <a:rPr lang="en-US" smtClean="0"/>
-              <a:t>9/18/2024</a:t>
+              <a:t>11/14/2024</a:t>
             </a:fld>
             <a:endParaRPr lang="en-US"/>
           </a:p>
@@ -4344,7 +4349,7 @@
           <a:p>
             <a:fld id="{3B68FE8D-E513-4283-9414-980506019D93}" type="datetimeFigureOut">
               <a:rPr lang="en-US" smtClean="0"/>
-              <a:t>9/18/2024</a:t>
+              <a:t>11/14/2024</a:t>
             </a:fld>
             <a:endParaRPr lang="en-US"/>
           </a:p>
@@ -4462,7 +4467,7 @@
           <a:p>
             <a:fld id="{3B68FE8D-E513-4283-9414-980506019D93}" type="datetimeFigureOut">
               <a:rPr lang="en-US" smtClean="0"/>
-              <a:t>9/18/2024</a:t>
+              <a:t>11/14/2024</a:t>
             </a:fld>
             <a:endParaRPr lang="en-US"/>
           </a:p>
@@ -4557,7 +4562,7 @@
           <a:p>
             <a:fld id="{3B68FE8D-E513-4283-9414-980506019D93}" type="datetimeFigureOut">
               <a:rPr lang="en-US" smtClean="0"/>
-              <a:t>9/18/2024</a:t>
+              <a:t>11/14/2024</a:t>
             </a:fld>
             <a:endParaRPr lang="en-US"/>
           </a:p>
@@ -4812,7 +4817,7 @@
           <a:p>
             <a:fld id="{3B68FE8D-E513-4283-9414-980506019D93}" type="datetimeFigureOut">
               <a:rPr lang="en-US" smtClean="0"/>
-              <a:t>9/18/2024</a:t>
+              <a:t>11/14/2024</a:t>
             </a:fld>
             <a:endParaRPr lang="en-US"/>
           </a:p>
@@ -5112,7 +5117,7 @@
           <a:p>
             <a:fld id="{3B68FE8D-E513-4283-9414-980506019D93}" type="datetimeFigureOut">
               <a:rPr lang="en-US" smtClean="0"/>
-              <a:t>9/18/2024</a:t>
+              <a:t>11/14/2024</a:t>
             </a:fld>
             <a:endParaRPr lang="en-US"/>
           </a:p>
@@ -5346,7 +5351,7 @@
           <a:p>
             <a:fld id="{3B68FE8D-E513-4283-9414-980506019D93}" type="datetimeFigureOut">
               <a:rPr lang="en-US" smtClean="0"/>
-              <a:t>9/18/2024</a:t>
+              <a:t>11/14/2024</a:t>
             </a:fld>
             <a:endParaRPr lang="en-US"/>
           </a:p>
@@ -6175,10 +6180,10 @@
       </p:grpSpPr>
       <p:sp>
         <p:nvSpPr>
-          <p:cNvPr id="2" name="Title 1">
+          <p:cNvPr id="3" name="Content Placeholder 2">
             <a:extLst>
               <a:ext uri="{FF2B5EF4-FFF2-40B4-BE49-F238E27FC236}">
-                <a16:creationId xmlns:a16="http://schemas.microsoft.com/office/drawing/2014/main" id="{8AAD6355-809F-BD0E-4F3D-40B28E759BBC}"/>
+                <a16:creationId xmlns:a16="http://schemas.microsoft.com/office/drawing/2014/main" id="{E12FEA84-134B-7E49-209F-4AA0EF940892}"/>
               </a:ext>
             </a:extLst>
           </p:cNvPr>
@@ -6186,13 +6191,13 @@
             <a:spLocks noGrp="1"/>
           </p:cNvSpPr>
           <p:nvPr>
-            <p:ph type="title"/>
+            <p:ph idx="1"/>
           </p:nvPr>
         </p:nvSpPr>
         <p:spPr>
           <a:xfrm>
-            <a:off x="913795" y="363894"/>
-            <a:ext cx="10353762" cy="923731"/>
+            <a:off x="913795" y="699796"/>
+            <a:ext cx="10497544" cy="5467739"/>
           </a:xfrm>
         </p:spPr>
         <p:txBody>
@@ -6201,123 +6206,105 @@
           </a:bodyPr>
           <a:lstStyle/>
           <a:p>
+            <a:pPr marL="36900" indent="0">
+              <a:lnSpc>
+                <a:spcPct val="150000"/>
+              </a:lnSpc>
+              <a:buNone/>
+            </a:pPr>
             <a:r>
               <a:rPr lang="en-US" dirty="0"/>
-              <a:t>INTRODUCTION</a:t>
-            </a:r>
-          </a:p>
-        </p:txBody>
-      </p:sp>
-      <p:sp>
-        <p:nvSpPr>
-          <p:cNvPr id="3" name="Content Placeholder 2">
-            <a:extLst>
-              <a:ext uri="{FF2B5EF4-FFF2-40B4-BE49-F238E27FC236}">
-                <a16:creationId xmlns:a16="http://schemas.microsoft.com/office/drawing/2014/main" id="{607594DF-90F5-8980-4A4C-D706BBFB40D0}"/>
-              </a:ext>
-            </a:extLst>
-          </p:cNvPr>
-          <p:cNvSpPr>
-            <a:spLocks noGrp="1"/>
-          </p:cNvSpPr>
-          <p:nvPr>
-            <p:ph sz="half" idx="1"/>
-          </p:nvPr>
-        </p:nvSpPr>
-        <p:spPr>
-          <a:xfrm>
-            <a:off x="494523" y="1642188"/>
-            <a:ext cx="5717970" cy="4711959"/>
-          </a:xfrm>
-        </p:spPr>
-        <p:txBody>
-          <a:bodyPr>
-            <a:normAutofit/>
-          </a:bodyPr>
-          <a:lstStyle/>
-          <a:p>
+              <a:t>	</a:t>
+            </a:r>
+            <a:r>
+              <a:rPr lang="en-US" sz="2400" b="1" dirty="0">
+                <a:latin typeface="Times New Roman" panose="02020603050405020304" pitchFamily="18" charset="0"/>
+                <a:cs typeface="Times New Roman" panose="02020603050405020304" pitchFamily="18" charset="0"/>
+              </a:rPr>
+              <a:t>PROBLEM STATEMENT </a:t>
+            </a:r>
+          </a:p>
+          <a:p>
+            <a:pPr>
+              <a:lnSpc>
+                <a:spcPct val="150000"/>
+              </a:lnSpc>
+            </a:pPr>
             <a:r>
               <a:rPr lang="en-US" dirty="0"/>
-              <a:t>In LBSs, a point-of-interest (POI) is a basic element that </a:t>
-            </a:r>
-            <a:r>
-              <a:rPr lang="en-US" dirty="0" err="1"/>
-              <a:t>marksa</a:t>
-            </a:r>
+              <a:t>Given a set of user and service requests each specifying a desired destination, find the optimal route that efficiently serves all requests while minimizing travel distance or time.</a:t>
+            </a:r>
+          </a:p>
+          <a:p>
+            <a:pPr marL="36900" indent="0">
+              <a:lnSpc>
+                <a:spcPct val="150000"/>
+              </a:lnSpc>
+              <a:buNone/>
+            </a:pPr>
             <a:r>
               <a:rPr lang="en-US" dirty="0"/>
-              <a:t> map with points that people may be interested in, such </a:t>
-            </a:r>
-            <a:r>
-              <a:rPr lang="en-US" dirty="0" err="1"/>
-              <a:t>asrestaurants</a:t>
-            </a:r>
+              <a:t>	</a:t>
+            </a:r>
+            <a:r>
+              <a:rPr lang="en-US" sz="2400" b="1" dirty="0">
+                <a:latin typeface="Times New Roman" panose="02020603050405020304" pitchFamily="18" charset="0"/>
+                <a:cs typeface="Times New Roman" panose="02020603050405020304" pitchFamily="18" charset="0"/>
+              </a:rPr>
+              <a:t>OBJECTIVES</a:t>
+            </a:r>
+          </a:p>
+          <a:p>
+            <a:pPr>
+              <a:lnSpc>
+                <a:spcPct val="150000"/>
+              </a:lnSpc>
+            </a:pPr>
+            <a:r>
+              <a:rPr lang="en-GB" dirty="0"/>
+              <a:t>Working with a real-world dataset from NITK college, identifying multiple points of interest, and calculating the distances between neighbouring nodes.</a:t>
+            </a:r>
+          </a:p>
+          <a:p>
+            <a:pPr>
+              <a:lnSpc>
+                <a:spcPct val="150000"/>
+              </a:lnSpc>
+            </a:pPr>
             <a:r>
               <a:rPr lang="en-US" dirty="0"/>
-              <a:t>, gas stations, and hospitals.</a:t>
-            </a:r>
-          </a:p>
-          <a:p>
+              <a:t>Develop the algorithm to get most efficient using Greedy, branch and bound and Backtracking.</a:t>
+            </a:r>
+          </a:p>
+          <a:p>
+            <a:pPr>
+              <a:lnSpc>
+                <a:spcPct val="150000"/>
+              </a:lnSpc>
+            </a:pPr>
             <a:r>
               <a:rPr lang="en-US" dirty="0"/>
-              <a:t>Google Maps, Bing Maps, and OpenStreetMap, provide </a:t>
-            </a:r>
-            <a:r>
-              <a:rPr lang="en-US" dirty="0" err="1"/>
-              <a:t>POIquery</a:t>
-            </a:r>
-            <a:r>
-              <a:rPr lang="en-US" dirty="0"/>
-              <a:t> and route planning services</a:t>
-            </a:r>
-          </a:p>
-          <a:p>
-            <a:r>
-              <a:rPr lang="en-US" dirty="0"/>
-              <a:t>The goal of MRRP is to plan the shortest route that meets the requests specified by the user.</a:t>
-            </a:r>
-          </a:p>
-          <a:p>
-            <a:r>
-              <a:rPr lang="en-US" dirty="0"/>
-              <a:t> Users of MRRP queries mainly value shorter routes and faster response times for optimal results.</a:t>
-            </a:r>
-          </a:p>
-        </p:txBody>
-      </p:sp>
-      <p:pic>
-        <p:nvPicPr>
-          <p:cNvPr id="8" name="Content Placeholder 7">
-            <a:extLst>
-              <a:ext uri="{FF2B5EF4-FFF2-40B4-BE49-F238E27FC236}">
-                <a16:creationId xmlns:a16="http://schemas.microsoft.com/office/drawing/2014/main" id="{6AD1DC5F-F176-038B-A92B-1714E26926D8}"/>
-              </a:ext>
-            </a:extLst>
-          </p:cNvPr>
-          <p:cNvPicPr>
-            <a:picLocks noGrp="1" noChangeAspect="1"/>
-          </p:cNvPicPr>
-          <p:nvPr>
-            <p:ph sz="half" idx="2"/>
-          </p:nvPr>
-        </p:nvPicPr>
-        <p:blipFill>
-          <a:blip r:embed="rId2"/>
-          <a:stretch>
-            <a:fillRect/>
-          </a:stretch>
-        </p:blipFill>
-        <p:spPr>
-          <a:xfrm>
-            <a:off x="6212493" y="1642188"/>
-            <a:ext cx="5837415" cy="3704252"/>
-          </a:xfrm>
-        </p:spPr>
-      </p:pic>
+              <a:t>Evaluate the performance of the proposed algorithm and demonstrate it with Maps API.</a:t>
+            </a:r>
+          </a:p>
+          <a:p>
+            <a:pPr marL="36900" indent="0">
+              <a:lnSpc>
+                <a:spcPct val="150000"/>
+              </a:lnSpc>
+              <a:buNone/>
+            </a:pPr>
+            <a:endParaRPr lang="en-US" dirty="0"/>
+          </a:p>
+          <a:p>
+            <a:endParaRPr lang="en-US" dirty="0"/>
+          </a:p>
+        </p:txBody>
+      </p:sp>
     </p:spTree>
     <p:extLst>
       <p:ext uri="{BB962C8B-B14F-4D97-AF65-F5344CB8AC3E}">
-        <p14:creationId xmlns:p14="http://schemas.microsoft.com/office/powerpoint/2010/main" val="1702658298"/>
+        <p14:creationId xmlns:p14="http://schemas.microsoft.com/office/powerpoint/2010/main" val="2348903198"/>
       </p:ext>
     </p:extLst>
   </p:cSld>
@@ -6349,7 +6336,7 @@
           <p:cNvPr id="2" name="Title 1">
             <a:extLst>
               <a:ext uri="{FF2B5EF4-FFF2-40B4-BE49-F238E27FC236}">
-                <a16:creationId xmlns:a16="http://schemas.microsoft.com/office/drawing/2014/main" id="{352F8C16-09A2-A845-1E54-4B45B4AF25CB}"/>
+                <a16:creationId xmlns:a16="http://schemas.microsoft.com/office/drawing/2014/main" id="{EA15A33B-DC1E-A744-593F-B86CAC83B5A0}"/>
               </a:ext>
             </a:extLst>
           </p:cNvPr>
@@ -6360,19 +6347,15 @@
             <p:ph type="title"/>
           </p:nvPr>
         </p:nvSpPr>
-        <p:spPr>
-          <a:xfrm>
-            <a:off x="913795" y="83975"/>
-            <a:ext cx="2118654" cy="46653"/>
-          </a:xfrm>
-        </p:spPr>
-        <p:txBody>
-          <a:bodyPr>
-            <a:normAutofit fontScale="90000"/>
-          </a:bodyPr>
-          <a:lstStyle/>
-          <a:p>
-            <a:endParaRPr lang="en-US" dirty="0"/>
+        <p:spPr/>
+        <p:txBody>
+          <a:bodyPr/>
+          <a:lstStyle/>
+          <a:p>
+            <a:r>
+              <a:rPr lang="en-US" dirty="0"/>
+              <a:t>METHODOLOGY</a:t>
+            </a:r>
           </a:p>
         </p:txBody>
       </p:sp>
@@ -6381,7 +6364,7 @@
           <p:cNvPr id="3" name="Content Placeholder 2">
             <a:extLst>
               <a:ext uri="{FF2B5EF4-FFF2-40B4-BE49-F238E27FC236}">
-                <a16:creationId xmlns:a16="http://schemas.microsoft.com/office/drawing/2014/main" id="{E12FEA84-134B-7E49-209F-4AA0EF940892}"/>
+                <a16:creationId xmlns:a16="http://schemas.microsoft.com/office/drawing/2014/main" id="{34289A9B-839C-22F8-68B1-007488512D93}"/>
               </a:ext>
             </a:extLst>
           </p:cNvPr>
@@ -6394,95 +6377,44 @@
         </p:nvSpPr>
         <p:spPr>
           <a:xfrm>
-            <a:off x="913795" y="699796"/>
-            <a:ext cx="10497544" cy="5467739"/>
+            <a:off x="913795" y="1732449"/>
+            <a:ext cx="10353762" cy="4058751"/>
           </a:xfrm>
         </p:spPr>
         <p:txBody>
-          <a:bodyPr>
-            <a:normAutofit lnSpcReduction="10000"/>
-          </a:bodyPr>
-          <a:lstStyle/>
-          <a:p>
-            <a:pPr marL="36900" indent="0">
-              <a:lnSpc>
-                <a:spcPct val="150000"/>
-              </a:lnSpc>
-              <a:buNone/>
-            </a:pPr>
-            <a:r>
-              <a:rPr lang="en-US" dirty="0"/>
-              <a:t>	</a:t>
-            </a:r>
-            <a:r>
-              <a:rPr lang="en-US" sz="2400" b="1" dirty="0">
-                <a:latin typeface="Times New Roman" panose="02020603050405020304" pitchFamily="18" charset="0"/>
-                <a:cs typeface="Times New Roman" panose="02020603050405020304" pitchFamily="18" charset="0"/>
-              </a:rPr>
-              <a:t>PROBLEM STATEMENT </a:t>
-            </a:r>
-          </a:p>
-          <a:p>
-            <a:pPr>
+          <a:bodyPr/>
+          <a:lstStyle/>
+          <a:p>
+            <a:pPr algn="just">
               <a:lnSpc>
                 <a:spcPct val="150000"/>
               </a:lnSpc>
             </a:pPr>
             <a:r>
               <a:rPr lang="en-US" dirty="0"/>
-              <a:t>Given a set of user and service requests each specifying a desired destination, find the optimal route that efficiently serves all requests while minimizing travel distance or time.</a:t>
-            </a:r>
-          </a:p>
-          <a:p>
-            <a:pPr marL="36900" indent="0">
-              <a:lnSpc>
-                <a:spcPct val="150000"/>
-              </a:lnSpc>
-              <a:buNone/>
-            </a:pPr>
-            <a:r>
-              <a:rPr lang="en-US" dirty="0"/>
-              <a:t>	</a:t>
-            </a:r>
-            <a:r>
-              <a:rPr lang="en-US" sz="2400" b="1" dirty="0">
-                <a:latin typeface="Times New Roman" panose="02020603050405020304" pitchFamily="18" charset="0"/>
-                <a:cs typeface="Times New Roman" panose="02020603050405020304" pitchFamily="18" charset="0"/>
-              </a:rPr>
-              <a:t>OBJECTIVES</a:t>
-            </a:r>
-          </a:p>
-          <a:p>
-            <a:pPr>
+              <a:t>OWS first searches a route on the basis of the POIs that provide at least one unsolved user request and pass three pruning mechanisms.</a:t>
+            </a:r>
+          </a:p>
+          <a:p>
+            <a:pPr algn="just">
               <a:lnSpc>
                 <a:spcPct val="150000"/>
               </a:lnSpc>
             </a:pPr>
             <a:r>
               <a:rPr lang="en-US" dirty="0"/>
-              <a:t>Develop an efficient algorithm for route planning with multiple requests that can handle various types of requests and optimization criteria.</a:t>
-            </a:r>
-          </a:p>
-          <a:p>
-            <a:pPr>
+              <a:t>One of them is greedily selected for path expansion and route update to rapidly identify a more favorable route. </a:t>
+            </a:r>
+          </a:p>
+          <a:p>
+            <a:pPr algn="just">
               <a:lnSpc>
                 <a:spcPct val="150000"/>
               </a:lnSpc>
             </a:pPr>
             <a:r>
               <a:rPr lang="en-US" dirty="0"/>
-              <a:t>Improve the quality of route plans by finding optimal or near-optimal solutions that minimize travel distance or time while satisfying all user requests.</a:t>
-            </a:r>
-          </a:p>
-          <a:p>
-            <a:pPr>
-              <a:lnSpc>
-                <a:spcPct val="150000"/>
-              </a:lnSpc>
-            </a:pPr>
-            <a:r>
-              <a:rPr lang="en-US" dirty="0"/>
-              <a:t>Evaluate the performance of the proposed algorithm and compare it with existing methods to demonstrate its effectiveness.</a:t>
+              <a:t>OWS involves three pruning mechanisms named Filter, Potential, and Petrifaction mechanisms and three operations named Wilting, Selection, and Reverse Update to avoid unnecessary searches and thus improve search efficiency.</a:t>
             </a:r>
           </a:p>
           <a:p>
@@ -6493,7 +6425,7 @@
     </p:spTree>
     <p:extLst>
       <p:ext uri="{BB962C8B-B14F-4D97-AF65-F5344CB8AC3E}">
-        <p14:creationId xmlns:p14="http://schemas.microsoft.com/office/powerpoint/2010/main" val="2348903198"/>
+        <p14:creationId xmlns:p14="http://schemas.microsoft.com/office/powerpoint/2010/main" val="3920897268"/>
       </p:ext>
     </p:extLst>
   </p:cSld>
@@ -6525,127 +6457,6 @@
           <p:cNvPr id="2" name="Title 1">
             <a:extLst>
               <a:ext uri="{FF2B5EF4-FFF2-40B4-BE49-F238E27FC236}">
-                <a16:creationId xmlns:a16="http://schemas.microsoft.com/office/drawing/2014/main" id="{EA15A33B-DC1E-A744-593F-B86CAC83B5A0}"/>
-              </a:ext>
-            </a:extLst>
-          </p:cNvPr>
-          <p:cNvSpPr>
-            <a:spLocks noGrp="1"/>
-          </p:cNvSpPr>
-          <p:nvPr>
-            <p:ph type="title"/>
-          </p:nvPr>
-        </p:nvSpPr>
-        <p:spPr/>
-        <p:txBody>
-          <a:bodyPr/>
-          <a:lstStyle/>
-          <a:p>
-            <a:r>
-              <a:rPr lang="en-US" dirty="0"/>
-              <a:t>METHODOLOGY</a:t>
-            </a:r>
-          </a:p>
-        </p:txBody>
-      </p:sp>
-      <p:sp>
-        <p:nvSpPr>
-          <p:cNvPr id="3" name="Content Placeholder 2">
-            <a:extLst>
-              <a:ext uri="{FF2B5EF4-FFF2-40B4-BE49-F238E27FC236}">
-                <a16:creationId xmlns:a16="http://schemas.microsoft.com/office/drawing/2014/main" id="{34289A9B-839C-22F8-68B1-007488512D93}"/>
-              </a:ext>
-            </a:extLst>
-          </p:cNvPr>
-          <p:cNvSpPr>
-            <a:spLocks noGrp="1"/>
-          </p:cNvSpPr>
-          <p:nvPr>
-            <p:ph idx="1"/>
-          </p:nvPr>
-        </p:nvSpPr>
-        <p:spPr>
-          <a:xfrm>
-            <a:off x="913795" y="1732449"/>
-            <a:ext cx="10353762" cy="4058751"/>
-          </a:xfrm>
-        </p:spPr>
-        <p:txBody>
-          <a:bodyPr/>
-          <a:lstStyle/>
-          <a:p>
-            <a:pPr algn="just">
-              <a:lnSpc>
-                <a:spcPct val="150000"/>
-              </a:lnSpc>
-            </a:pPr>
-            <a:r>
-              <a:rPr lang="en-US" dirty="0"/>
-              <a:t>OWS first searches a route on the basis of the POIs that provide at least one unsolved user request and pass three pruning mechanisms.</a:t>
-            </a:r>
-          </a:p>
-          <a:p>
-            <a:pPr algn="just">
-              <a:lnSpc>
-                <a:spcPct val="150000"/>
-              </a:lnSpc>
-            </a:pPr>
-            <a:r>
-              <a:rPr lang="en-US" dirty="0"/>
-              <a:t>One of them is greedily selected for path expansion and route update to rapidly identify a more favorable route. </a:t>
-            </a:r>
-          </a:p>
-          <a:p>
-            <a:pPr algn="just">
-              <a:lnSpc>
-                <a:spcPct val="150000"/>
-              </a:lnSpc>
-            </a:pPr>
-            <a:r>
-              <a:rPr lang="en-US" dirty="0"/>
-              <a:t>OWS involves three pruning mechanisms named Filter, Potential, and Petrifaction mechanisms and three operations named Wilting, Selection, and Reverse Update to avoid unnecessary searches and thus improve search efficiency.</a:t>
-            </a:r>
-          </a:p>
-          <a:p>
-            <a:endParaRPr lang="en-US" dirty="0"/>
-          </a:p>
-        </p:txBody>
-      </p:sp>
-    </p:spTree>
-    <p:extLst>
-      <p:ext uri="{BB962C8B-B14F-4D97-AF65-F5344CB8AC3E}">
-        <p14:creationId xmlns:p14="http://schemas.microsoft.com/office/powerpoint/2010/main" val="3920897268"/>
-      </p:ext>
-    </p:extLst>
-  </p:cSld>
-  <p:clrMapOvr>
-    <a:masterClrMapping/>
-  </p:clrMapOvr>
-</p:sld>
-</file>
-
-<file path=ppt/slides/slide5.xml><?xml version="1.0" encoding="utf-8"?>
-<p:sld xmlns:a="http://schemas.openxmlformats.org/drawingml/2006/main" xmlns:r="http://schemas.openxmlformats.org/officeDocument/2006/relationships" xmlns:p="http://schemas.openxmlformats.org/presentationml/2006/main">
-  <p:cSld>
-    <p:spTree>
-      <p:nvGrpSpPr>
-        <p:cNvPr id="1" name=""/>
-        <p:cNvGrpSpPr/>
-        <p:nvPr/>
-      </p:nvGrpSpPr>
-      <p:grpSpPr>
-        <a:xfrm>
-          <a:off x="0" y="0"/>
-          <a:ext cx="0" cy="0"/>
-          <a:chOff x="0" y="0"/>
-          <a:chExt cx="0" cy="0"/>
-        </a:xfrm>
-      </p:grpSpPr>
-      <p:sp>
-        <p:nvSpPr>
-          <p:cNvPr id="2" name="Title 1">
-            <a:extLst>
-              <a:ext uri="{FF2B5EF4-FFF2-40B4-BE49-F238E27FC236}">
                 <a16:creationId xmlns:a16="http://schemas.microsoft.com/office/drawing/2014/main" id="{F7068432-3D94-1565-79CC-A84A7660BF4C}"/>
               </a:ext>
             </a:extLst>
@@ -6657,7 +6468,12 @@
             <p:ph type="title"/>
           </p:nvPr>
         </p:nvSpPr>
-        <p:spPr/>
+        <p:spPr>
+          <a:xfrm>
+            <a:off x="844969" y="96350"/>
+            <a:ext cx="10353762" cy="970450"/>
+          </a:xfrm>
+        </p:spPr>
         <p:txBody>
           <a:bodyPr/>
           <a:lstStyle/>
@@ -6671,10 +6487,10 @@
       </p:sp>
       <p:pic>
         <p:nvPicPr>
-          <p:cNvPr id="5" name="Content Placeholder 4">
+          <p:cNvPr id="9" name="Content Placeholder 8" descr="A diagram of a process">
             <a:extLst>
               <a:ext uri="{FF2B5EF4-FFF2-40B4-BE49-F238E27FC236}">
-                <a16:creationId xmlns:a16="http://schemas.microsoft.com/office/drawing/2014/main" id="{100B3ACA-00B2-D09B-FB30-5FEEF2ACDBE2}"/>
+                <a16:creationId xmlns:a16="http://schemas.microsoft.com/office/drawing/2014/main" id="{07BE6946-32F8-1785-5BD4-9780A249A0A9}"/>
               </a:ext>
             </a:extLst>
           </p:cNvPr>
@@ -6686,15 +6502,21 @@
           </p:nvPr>
         </p:nvPicPr>
         <p:blipFill>
-          <a:blip r:embed="rId2"/>
+          <a:blip r:embed="rId2">
+            <a:extLst>
+              <a:ext uri="{28A0092B-C50C-407E-A947-70E740481C1C}">
+                <a14:useLocalDpi xmlns:a14="http://schemas.microsoft.com/office/drawing/2010/main" val="0"/>
+              </a:ext>
+            </a:extLst>
+          </a:blip>
           <a:stretch>
             <a:fillRect/>
           </a:stretch>
         </p:blipFill>
         <p:spPr>
           <a:xfrm>
-            <a:off x="913795" y="1750624"/>
-            <a:ext cx="10353762" cy="4267621"/>
+            <a:off x="2090057" y="950970"/>
+            <a:ext cx="8223982" cy="5776901"/>
           </a:xfrm>
         </p:spPr>
       </p:pic>
@@ -6711,9 +6533,28 @@
 </p:sld>
 </file>
 
-<file path=ppt/slides/slide6.xml><?xml version="1.0" encoding="utf-8"?>
+<file path=ppt/slides/slide5.xml><?xml version="1.0" encoding="utf-8"?>
 <p:sld xmlns:a="http://schemas.openxmlformats.org/drawingml/2006/main" xmlns:r="http://schemas.openxmlformats.org/officeDocument/2006/relationships" xmlns:p="http://schemas.openxmlformats.org/presentationml/2006/main">
   <p:cSld>
+    <p:bg>
+      <p:bgPr>
+        <a:blipFill rotWithShape="1">
+          <a:blip r:embed="rId2">
+            <a:duotone>
+              <a:schemeClr val="bg2">
+                <a:shade val="80000"/>
+                <a:lumMod val="80000"/>
+              </a:schemeClr>
+              <a:schemeClr val="bg2">
+                <a:tint val="98000"/>
+              </a:schemeClr>
+            </a:duotone>
+          </a:blip>
+          <a:stretch/>
+        </a:blipFill>
+        <a:effectLst/>
+      </p:bgPr>
+    </p:bg>
     <p:spTree>
       <p:nvGrpSpPr>
         <p:cNvPr id="1" name=""/>
@@ -6733,7 +6574,7 @@
           <p:cNvPr id="2" name="Title 1">
             <a:extLst>
               <a:ext uri="{FF2B5EF4-FFF2-40B4-BE49-F238E27FC236}">
-                <a16:creationId xmlns:a16="http://schemas.microsoft.com/office/drawing/2014/main" id="{50AB3AE1-230D-D074-8CC8-5B8BD729C26D}"/>
+                <a16:creationId xmlns:a16="http://schemas.microsoft.com/office/drawing/2014/main" id="{38C4A13C-5E12-4DBF-791C-CE1263BAB895}"/>
               </a:ext>
             </a:extLst>
           </p:cNvPr>
@@ -6744,15 +6585,23 @@
             <p:ph type="title"/>
           </p:nvPr>
         </p:nvSpPr>
-        <p:spPr/>
-        <p:txBody>
-          <a:bodyPr/>
-          <a:lstStyle/>
-          <a:p>
-            <a:r>
-              <a:rPr lang="en-US" dirty="0"/>
-              <a:t>BASE PAPER</a:t>
-            </a:r>
+        <p:spPr>
+          <a:xfrm>
+            <a:off x="913795" y="609600"/>
+            <a:ext cx="10353762" cy="970450"/>
+          </a:xfrm>
+        </p:spPr>
+        <p:txBody>
+          <a:bodyPr>
+            <a:normAutofit/>
+          </a:bodyPr>
+          <a:lstStyle/>
+          <a:p>
+            <a:r>
+              <a:rPr lang="en-GB" dirty="0"/>
+              <a:t>Data Points Visualization</a:t>
+            </a:r>
+            <a:endParaRPr lang="en-IN" dirty="0"/>
           </a:p>
         </p:txBody>
       </p:sp>
@@ -6761,7 +6610,7 @@
           <p:cNvPr id="3" name="Content Placeholder 2">
             <a:extLst>
               <a:ext uri="{FF2B5EF4-FFF2-40B4-BE49-F238E27FC236}">
-                <a16:creationId xmlns:a16="http://schemas.microsoft.com/office/drawing/2014/main" id="{981EB4BC-74DF-9DC5-F0D2-2F5F409E1383}"/>
+                <a16:creationId xmlns:a16="http://schemas.microsoft.com/office/drawing/2014/main" id="{0659903D-8AA6-7405-7612-A568AA8475C0}"/>
               </a:ext>
             </a:extLst>
           </p:cNvPr>
@@ -6772,54 +6621,318 @@
             <p:ph idx="1"/>
           </p:nvPr>
         </p:nvSpPr>
-        <p:spPr/>
-        <p:txBody>
-          <a:bodyPr/>
+        <p:spPr>
+          <a:xfrm>
+            <a:off x="913795" y="1732450"/>
+            <a:ext cx="5546272" cy="2648632"/>
+          </a:xfrm>
+        </p:spPr>
+        <p:txBody>
+          <a:bodyPr anchor="ctr">
+            <a:normAutofit lnSpcReduction="10000"/>
+          </a:bodyPr>
           <a:lstStyle/>
           <a:p>
             <a:pPr>
-              <a:lnSpc>
-                <a:spcPct val="150000"/>
-              </a:lnSpc>
+              <a:buClr>
+                <a:srgbClr val="FE3A3A"/>
+              </a:buClr>
             </a:pPr>
             <a:r>
-              <a:rPr lang="en-US" dirty="0"/>
-              <a:t>Paper title: One-Way Search Algorithm for Route Planning With Multiple Requests. </a:t>
-            </a:r>
-            <a:r>
-              <a:rPr lang="en-US" dirty="0">
-                <a:latin typeface="Times New Roman" panose="02020603050405020304" pitchFamily="18" charset="0"/>
-                <a:cs typeface="Times New Roman" panose="02020603050405020304" pitchFamily="18" charset="0"/>
-                <a:hlinkClick r:id="rId2"/>
-              </a:rPr>
-              <a:t>https://ieeexplore.ieee.org/stamp/stamp.jsp?tp=&amp;arnumber=9946862</a:t>
-            </a:r>
-            <a:endParaRPr lang="en-US" dirty="0">
-              <a:latin typeface="Times New Roman" panose="02020603050405020304" pitchFamily="18" charset="0"/>
-              <a:cs typeface="Times New Roman" panose="02020603050405020304" pitchFamily="18" charset="0"/>
-            </a:endParaRPr>
+              <a:rPr lang="en-GB" dirty="0"/>
+              <a:t>1, 13.010929, 74.792304, IT Dept</a:t>
+            </a:r>
           </a:p>
           <a:p>
             <a:pPr>
-              <a:lnSpc>
-                <a:spcPct val="150000"/>
-              </a:lnSpc>
+              <a:buClr>
+                <a:srgbClr val="FE3A3A"/>
+              </a:buClr>
             </a:pPr>
             <a:r>
-              <a:rPr lang="en-US" dirty="0"/>
-              <a:t>Publisher: IEEE TRANSACTIONS ON INTELLIGENT TRANSPORTATION SYSTEMS,VOL. 24, NO. 2, FEBRUARY 2023</a:t>
-            </a:r>
-            <a:endParaRPr lang="en-US" dirty="0">
-              <a:latin typeface="Times New Roman" panose="02020603050405020304" pitchFamily="18" charset="0"/>
-              <a:cs typeface="Times New Roman" panose="02020603050405020304" pitchFamily="18" charset="0"/>
-            </a:endParaRPr>
-          </a:p>
-        </p:txBody>
-      </p:sp>
+              <a:rPr lang="en-GB" dirty="0"/>
+              <a:t>2, 13.011546, 74.79232, ECE Dept</a:t>
+            </a:r>
+          </a:p>
+          <a:p>
+            <a:pPr>
+              <a:buClr>
+                <a:srgbClr val="FE3A3A"/>
+              </a:buClr>
+            </a:pPr>
+            <a:r>
+              <a:rPr lang="en-GB" dirty="0"/>
+              <a:t>3, 13.0107528,74.7920782, LHCC</a:t>
+            </a:r>
+          </a:p>
+          <a:p>
+            <a:pPr>
+              <a:buClr>
+                <a:srgbClr val="FE3A3A"/>
+              </a:buClr>
+            </a:pPr>
+            <a:r>
+              <a:rPr lang="en-GB" dirty="0"/>
+              <a:t>4, 13.010026,74.7922319, Parking lot</a:t>
+            </a:r>
+          </a:p>
+          <a:p>
+            <a:pPr>
+              <a:buClr>
+                <a:srgbClr val="FE3A3A"/>
+              </a:buClr>
+            </a:pPr>
+            <a:endParaRPr lang="en-IN" dirty="0"/>
+          </a:p>
+          <a:p>
+            <a:pPr marL="36900" indent="0">
+              <a:buClr>
+                <a:srgbClr val="FE3A3A"/>
+              </a:buClr>
+              <a:buNone/>
+            </a:pPr>
+            <a:r>
+              <a:rPr lang="en-IN" dirty="0"/>
+              <a:t>Distance Calculation: </a:t>
+            </a:r>
+          </a:p>
+          <a:p>
+            <a:pPr marL="36900" indent="0">
+              <a:buClr>
+                <a:srgbClr val="FE3A3A"/>
+              </a:buClr>
+              <a:buNone/>
+            </a:pPr>
+            <a:endParaRPr lang="en-GB" dirty="0"/>
+          </a:p>
+        </p:txBody>
+      </p:sp>
+      <p:pic>
+        <p:nvPicPr>
+          <p:cNvPr id="5" name="Picture 4">
+            <a:extLst>
+              <a:ext uri="{FF2B5EF4-FFF2-40B4-BE49-F238E27FC236}">
+                <a16:creationId xmlns:a16="http://schemas.microsoft.com/office/drawing/2014/main" id="{E90D4125-E195-439C-5769-CB1374CD9A96}"/>
+              </a:ext>
+            </a:extLst>
+          </p:cNvPr>
+          <p:cNvPicPr>
+            <a:picLocks noChangeAspect="1"/>
+          </p:cNvPicPr>
+          <p:nvPr/>
+        </p:nvPicPr>
+        <p:blipFill>
+          <a:blip r:embed="rId3"/>
+          <a:stretch>
+            <a:fillRect/>
+          </a:stretch>
+        </p:blipFill>
+        <p:spPr>
+          <a:xfrm>
+            <a:off x="8210595" y="1732450"/>
+            <a:ext cx="2015281" cy="1848950"/>
+          </a:xfrm>
+          <a:prstGeom prst="rect">
+            <a:avLst/>
+          </a:prstGeom>
+        </p:spPr>
+      </p:pic>
+      <p:pic>
+        <p:nvPicPr>
+          <p:cNvPr id="7" name="Picture 6">
+            <a:extLst>
+              <a:ext uri="{FF2B5EF4-FFF2-40B4-BE49-F238E27FC236}">
+                <a16:creationId xmlns:a16="http://schemas.microsoft.com/office/drawing/2014/main" id="{C397720D-5A4F-F4A8-7A4A-8E6CFC28ABDD}"/>
+              </a:ext>
+            </a:extLst>
+          </p:cNvPr>
+          <p:cNvPicPr>
+            <a:picLocks noChangeAspect="1"/>
+          </p:cNvPicPr>
+          <p:nvPr/>
+        </p:nvPicPr>
+        <p:blipFill>
+          <a:blip r:embed="rId4"/>
+          <a:stretch>
+            <a:fillRect/>
+          </a:stretch>
+        </p:blipFill>
+        <p:spPr>
+          <a:xfrm>
+            <a:off x="913795" y="4191955"/>
+            <a:ext cx="9612066" cy="2191056"/>
+          </a:xfrm>
+          <a:prstGeom prst="rect">
+            <a:avLst/>
+          </a:prstGeom>
+        </p:spPr>
+      </p:pic>
     </p:spTree>
     <p:extLst>
       <p:ext uri="{BB962C8B-B14F-4D97-AF65-F5344CB8AC3E}">
-        <p14:creationId xmlns:p14="http://schemas.microsoft.com/office/powerpoint/2010/main" val="96344286"/>
+        <p14:creationId xmlns:p14="http://schemas.microsoft.com/office/powerpoint/2010/main" val="1579097036"/>
+      </p:ext>
+    </p:extLst>
+  </p:cSld>
+  <p:clrMapOvr>
+    <a:masterClrMapping/>
+  </p:clrMapOvr>
+</p:sld>
+</file>
+
+<file path=ppt/slides/slide6.xml><?xml version="1.0" encoding="utf-8"?>
+<p:sld xmlns:a="http://schemas.openxmlformats.org/drawingml/2006/main" xmlns:r="http://schemas.openxmlformats.org/officeDocument/2006/relationships" xmlns:p="http://schemas.openxmlformats.org/presentationml/2006/main">
+  <p:cSld>
+    <p:bg>
+      <p:bgPr>
+        <a:blipFill rotWithShape="1">
+          <a:blip r:embed="rId2">
+            <a:duotone>
+              <a:schemeClr val="bg2">
+                <a:shade val="80000"/>
+                <a:lumMod val="80000"/>
+              </a:schemeClr>
+              <a:schemeClr val="bg2">
+                <a:tint val="98000"/>
+              </a:schemeClr>
+            </a:duotone>
+          </a:blip>
+          <a:stretch/>
+        </a:blipFill>
+        <a:effectLst/>
+      </p:bgPr>
+    </p:bg>
+    <p:spTree>
+      <p:nvGrpSpPr>
+        <p:cNvPr id="1" name=""/>
+        <p:cNvGrpSpPr/>
+        <p:nvPr/>
+      </p:nvGrpSpPr>
+      <p:grpSpPr>
+        <a:xfrm>
+          <a:off x="0" y="0"/>
+          <a:ext cx="0" cy="0"/>
+          <a:chOff x="0" y="0"/>
+          <a:chExt cx="0" cy="0"/>
+        </a:xfrm>
+      </p:grpSpPr>
+      <p:sp>
+        <p:nvSpPr>
+          <p:cNvPr id="2" name="Title 1">
+            <a:extLst>
+              <a:ext uri="{FF2B5EF4-FFF2-40B4-BE49-F238E27FC236}">
+                <a16:creationId xmlns:a16="http://schemas.microsoft.com/office/drawing/2014/main" id="{08DB2134-726D-6F6A-0300-15135364B26B}"/>
+              </a:ext>
+            </a:extLst>
+          </p:cNvPr>
+          <p:cNvSpPr>
+            <a:spLocks noGrp="1"/>
+          </p:cNvSpPr>
+          <p:nvPr>
+            <p:ph type="title"/>
+          </p:nvPr>
+        </p:nvSpPr>
+        <p:spPr>
+          <a:xfrm>
+            <a:off x="707900" y="643467"/>
+            <a:ext cx="3946393" cy="1956298"/>
+          </a:xfrm>
+        </p:spPr>
+        <p:txBody>
+          <a:bodyPr>
+            <a:normAutofit/>
+          </a:bodyPr>
+          <a:lstStyle/>
+          <a:p>
+            <a:pPr algn="l"/>
+            <a:r>
+              <a:rPr lang="en-GB" sz="3600"/>
+              <a:t>Intermediate Results</a:t>
+            </a:r>
+            <a:endParaRPr lang="en-IN" sz="3600"/>
+          </a:p>
+        </p:txBody>
+      </p:sp>
+      <p:sp>
+        <p:nvSpPr>
+          <p:cNvPr id="3" name="Content Placeholder 2">
+            <a:extLst>
+              <a:ext uri="{FF2B5EF4-FFF2-40B4-BE49-F238E27FC236}">
+                <a16:creationId xmlns:a16="http://schemas.microsoft.com/office/drawing/2014/main" id="{86AAC9B9-11AD-F824-9790-71D80283FF83}"/>
+              </a:ext>
+            </a:extLst>
+          </p:cNvPr>
+          <p:cNvSpPr>
+            <a:spLocks noGrp="1"/>
+          </p:cNvSpPr>
+          <p:nvPr>
+            <p:ph idx="1"/>
+          </p:nvPr>
+        </p:nvSpPr>
+        <p:spPr>
+          <a:xfrm>
+            <a:off x="5139768" y="643467"/>
+            <a:ext cx="6430560" cy="1956298"/>
+          </a:xfrm>
+        </p:spPr>
+        <p:txBody>
+          <a:bodyPr anchor="ctr">
+            <a:normAutofit/>
+          </a:bodyPr>
+          <a:lstStyle/>
+          <a:p>
+            <a:pPr>
+              <a:buClr>
+                <a:srgbClr val="D5D70F"/>
+              </a:buClr>
+            </a:pPr>
+            <a:r>
+              <a:rPr lang="en-GB" dirty="0"/>
+              <a:t>Shortest path between the source and the destination using OWS algorithm.</a:t>
+            </a:r>
+            <a:endParaRPr lang="en-IN"/>
+          </a:p>
+        </p:txBody>
+      </p:sp>
+      <p:pic>
+        <p:nvPicPr>
+          <p:cNvPr id="5" name="Picture 4" descr="A computer screen with text on it&#10;&#10;Description automatically generated">
+            <a:extLst>
+              <a:ext uri="{FF2B5EF4-FFF2-40B4-BE49-F238E27FC236}">
+                <a16:creationId xmlns:a16="http://schemas.microsoft.com/office/drawing/2014/main" id="{5156508A-C383-A958-8F28-F8C1C7E2EFA7}"/>
+              </a:ext>
+            </a:extLst>
+          </p:cNvPr>
+          <p:cNvPicPr>
+            <a:picLocks noChangeAspect="1"/>
+          </p:cNvPicPr>
+          <p:nvPr/>
+        </p:nvPicPr>
+        <p:blipFill>
+          <a:blip r:embed="rId3">
+            <a:extLst>
+              <a:ext uri="{28A0092B-C50C-407E-A947-70E740481C1C}">
+                <a14:useLocalDpi xmlns:a14="http://schemas.microsoft.com/office/drawing/2010/main" val="0"/>
+              </a:ext>
+            </a:extLst>
+          </a:blip>
+          <a:srcRect b="31140"/>
+          <a:stretch/>
+        </p:blipFill>
+        <p:spPr>
+          <a:xfrm>
+            <a:off x="643468" y="3085768"/>
+            <a:ext cx="10926860" cy="1956298"/>
+          </a:xfrm>
+          <a:prstGeom prst="rect">
+            <a:avLst/>
+          </a:prstGeom>
+        </p:spPr>
+      </p:pic>
+    </p:spTree>
+    <p:extLst>
+      <p:ext uri="{BB962C8B-B14F-4D97-AF65-F5344CB8AC3E}">
+        <p14:creationId xmlns:p14="http://schemas.microsoft.com/office/powerpoint/2010/main" val="2978931890"/>
       </p:ext>
     </p:extLst>
   </p:cSld>
@@ -6851,7 +6964,7 @@
           <p:cNvPr id="2" name="Title 1">
             <a:extLst>
               <a:ext uri="{FF2B5EF4-FFF2-40B4-BE49-F238E27FC236}">
-                <a16:creationId xmlns:a16="http://schemas.microsoft.com/office/drawing/2014/main" id="{6FCCD23E-15EA-9D9D-A1A2-C4E509D9DF2A}"/>
+                <a16:creationId xmlns:a16="http://schemas.microsoft.com/office/drawing/2014/main" id="{8050FCF1-0533-26F7-5327-EA79138FB0B5}"/>
               </a:ext>
             </a:extLst>
           </p:cNvPr>
@@ -6862,19 +6975,16 @@
             <p:ph type="title"/>
           </p:nvPr>
         </p:nvSpPr>
-        <p:spPr>
-          <a:xfrm flipV="1">
-            <a:off x="913795" y="563881"/>
-            <a:ext cx="9312556" cy="45719"/>
-          </a:xfrm>
-        </p:spPr>
-        <p:txBody>
-          <a:bodyPr>
-            <a:normAutofit fontScale="90000"/>
-          </a:bodyPr>
-          <a:lstStyle/>
-          <a:p>
-            <a:endParaRPr lang="en-US" dirty="0"/>
+        <p:spPr/>
+        <p:txBody>
+          <a:bodyPr/>
+          <a:lstStyle/>
+          <a:p>
+            <a:r>
+              <a:rPr lang="en-GB" dirty="0"/>
+              <a:t>Time and Space Complexity</a:t>
+            </a:r>
+            <a:endParaRPr lang="en-IN" dirty="0"/>
           </a:p>
         </p:txBody>
       </p:sp>
@@ -6883,7 +6993,7 @@
           <p:cNvPr id="3" name="Content Placeholder 2">
             <a:extLst>
               <a:ext uri="{FF2B5EF4-FFF2-40B4-BE49-F238E27FC236}">
-                <a16:creationId xmlns:a16="http://schemas.microsoft.com/office/drawing/2014/main" id="{4F02A326-DA54-7931-0564-EAFCD692DFCC}"/>
+                <a16:creationId xmlns:a16="http://schemas.microsoft.com/office/drawing/2014/main" id="{A32D34E5-AD67-2297-1422-995831C03D43}"/>
               </a:ext>
             </a:extLst>
           </p:cNvPr>
@@ -6896,31 +7006,69 @@
         </p:nvSpPr>
         <p:spPr/>
         <p:txBody>
-          <a:bodyPr>
-            <a:normAutofit/>
-          </a:bodyPr>
-          <a:lstStyle/>
-          <a:p>
-            <a:pPr marL="36900" indent="0" algn="ctr">
-              <a:buNone/>
-            </a:pPr>
-            <a:endParaRPr lang="en-US" sz="5400" dirty="0"/>
-          </a:p>
-          <a:p>
-            <a:pPr marL="36900" indent="0" algn="ctr">
-              <a:buNone/>
-            </a:pPr>
-            <a:r>
-              <a:rPr lang="en-US" sz="5400" dirty="0"/>
-              <a:t>THANK YOU</a:t>
-            </a:r>
+          <a:bodyPr/>
+          <a:lstStyle/>
+          <a:p>
+            <a:r>
+              <a:rPr lang="en-GB" dirty="0"/>
+              <a:t>Node and Graph Initialization</a:t>
+            </a:r>
+          </a:p>
+          <a:p>
+            <a:pPr lvl="1"/>
+            <a:r>
+              <a:rPr lang="en-GB" dirty="0"/>
+              <a:t>Time </a:t>
+            </a:r>
+            <a:r>
+              <a:rPr lang="en-GB" dirty="0" err="1"/>
+              <a:t>Complexity:O</a:t>
+            </a:r>
+            <a:r>
+              <a:rPr lang="en-GB" dirty="0"/>
+              <a:t>(N+E), where N is the number of nodes and E is the number of edges</a:t>
+            </a:r>
+          </a:p>
+          <a:p>
+            <a:pPr lvl="1"/>
+            <a:r>
+              <a:rPr lang="en-GB" dirty="0"/>
+              <a:t>Space Complexity:  O(N+E)</a:t>
+            </a:r>
+          </a:p>
+          <a:p>
+            <a:r>
+              <a:rPr lang="en-GB" dirty="0"/>
+              <a:t>For pruning and reverse update the time and space complexity is O(1)</a:t>
+            </a:r>
+          </a:p>
+          <a:p>
+            <a:r>
+              <a:rPr lang="en-GB" dirty="0"/>
+              <a:t>OWS Algorithm</a:t>
+            </a:r>
+          </a:p>
+          <a:p>
+            <a:pPr lvl="1"/>
+            <a:r>
+              <a:rPr lang="pt-BR" dirty="0"/>
+              <a:t>Time Complexity:  O(N+E+V×N)</a:t>
+            </a:r>
+          </a:p>
+          <a:p>
+            <a:pPr lvl="1"/>
+            <a:r>
+              <a:rPr lang="pt-BR" dirty="0"/>
+              <a:t>Space Complexity: O(N+E).</a:t>
+            </a:r>
+            <a:endParaRPr lang="en-GB" dirty="0"/>
           </a:p>
         </p:txBody>
       </p:sp>
     </p:spTree>
     <p:extLst>
       <p:ext uri="{BB962C8B-B14F-4D97-AF65-F5344CB8AC3E}">
-        <p14:creationId xmlns:p14="http://schemas.microsoft.com/office/powerpoint/2010/main" val="2784883881"/>
+        <p14:creationId xmlns:p14="http://schemas.microsoft.com/office/powerpoint/2010/main" val="3123706266"/>
       </p:ext>
     </p:extLst>
   </p:cSld>
